--- a/grad-pro/論文・発表資料/スライド/200714.pptx
+++ b/grad-pro/論文・発表資料/スライド/200714.pptx
@@ -203,7 +203,7 @@
           <a:p>
             <a:fld id="{55FD3C3C-8338-9541-944A-A007AFBA7FC1}" type="datetimeFigureOut">
               <a:rPr kumimoji="1" lang="ja-JP" altLang="en-US" smtClean="0"/>
-              <a:t>2020/7/14</a:t>
+              <a:t>2020/11/25</a:t>
             </a:fld>
             <a:endParaRPr kumimoji="1" lang="ja-JP" altLang="en-US"/>
           </a:p>
@@ -915,7 +915,7 @@
           <a:p>
             <a:fld id="{134F27F3-B169-9F4B-9A36-58BF30661966}" type="datetime1">
               <a:rPr lang="ja-JP" altLang="en-US" smtClean="0"/>
-              <a:t>2020/7/14</a:t>
+              <a:t>2020/11/25</a:t>
             </a:fld>
             <a:endParaRPr lang="en-US" dirty="0"/>
           </a:p>
@@ -1366,7 +1366,7 @@
           <a:p>
             <a:fld id="{17EEBD81-CDBF-C74D-A910-BFB7D0737499}" type="datetime1">
               <a:rPr lang="ja-JP" altLang="en-US" smtClean="0"/>
-              <a:t>2020/7/14</a:t>
+              <a:t>2020/11/25</a:t>
             </a:fld>
             <a:endParaRPr lang="en-US" dirty="0"/>
           </a:p>
@@ -1739,7 +1739,7 @@
           <a:p>
             <a:fld id="{58709122-0E93-4A43-8E8D-273EA3A15567}" type="datetime1">
               <a:rPr lang="ja-JP" altLang="en-US" smtClean="0"/>
-              <a:t>2020/7/14</a:t>
+              <a:t>2020/11/25</a:t>
             </a:fld>
             <a:endParaRPr lang="en-US" dirty="0"/>
           </a:p>
@@ -2218,7 +2218,7 @@
           <a:p>
             <a:fld id="{EC7E9C27-3D80-704C-AFDE-CA04D2AFBA5A}" type="datetime1">
               <a:rPr lang="ja-JP" altLang="en-US" smtClean="0"/>
-              <a:t>2020/7/14</a:t>
+              <a:t>2020/11/25</a:t>
             </a:fld>
             <a:endParaRPr lang="en-US" dirty="0"/>
           </a:p>
@@ -2823,7 +2823,7 @@
           <a:p>
             <a:fld id="{0DBF537E-2752-504A-9802-6BDBF3EA8928}" type="datetime1">
               <a:rPr lang="ja-JP" altLang="en-US" smtClean="0"/>
-              <a:t>2020/7/14</a:t>
+              <a:t>2020/11/25</a:t>
             </a:fld>
             <a:endParaRPr lang="en-US" dirty="0"/>
           </a:p>
@@ -3726,7 +3726,7 @@
           <a:p>
             <a:fld id="{754743BE-930C-C845-A74C-3BE8D40EEF9E}" type="datetime1">
               <a:rPr lang="ja-JP" altLang="en-US" smtClean="0"/>
-              <a:t>2020/7/14</a:t>
+              <a:t>2020/11/25</a:t>
             </a:fld>
             <a:endParaRPr lang="en-US" dirty="0"/>
           </a:p>
@@ -4861,7 +4861,7 @@
           <a:p>
             <a:fld id="{20215569-50A9-F245-8DD4-EE49CD54E634}" type="datetime1">
               <a:rPr lang="ja-JP" altLang="en-US" smtClean="0"/>
-              <a:t>2020/7/14</a:t>
+              <a:t>2020/11/25</a:t>
             </a:fld>
             <a:endParaRPr lang="en-US" dirty="0"/>
           </a:p>
@@ -5182,7 +5182,7 @@
           <a:p>
             <a:fld id="{24DA6A47-055C-A347-B7A7-4DADF98C4D24}" type="datetime1">
               <a:rPr lang="ja-JP" altLang="en-US" smtClean="0"/>
-              <a:t>2020/7/14</a:t>
+              <a:t>2020/11/25</a:t>
             </a:fld>
             <a:endParaRPr lang="en-US" dirty="0"/>
           </a:p>
@@ -5454,7 +5454,7 @@
           <a:p>
             <a:fld id="{CD19CBDD-1512-C44C-B3CE-BB57016C743D}" type="datetime1">
               <a:rPr lang="ja-JP" altLang="en-US" smtClean="0"/>
-              <a:t>2020/7/14</a:t>
+              <a:t>2020/11/25</a:t>
             </a:fld>
             <a:endParaRPr lang="en-US" dirty="0"/>
           </a:p>
@@ -5804,7 +5804,7 @@
           <a:p>
             <a:fld id="{18B20C85-D272-FD4D-9640-38FA9760C140}" type="datetime1">
               <a:rPr lang="ja-JP" altLang="en-US" smtClean="0"/>
-              <a:t>2020/7/14</a:t>
+              <a:t>2020/11/25</a:t>
             </a:fld>
             <a:endParaRPr lang="en-US" dirty="0"/>
           </a:p>
@@ -6230,7 +6230,7 @@
           <a:p>
             <a:fld id="{3556C327-7E65-874B-8193-80B200AE2C0C}" type="datetime1">
               <a:rPr lang="ja-JP" altLang="en-US" smtClean="0"/>
-              <a:t>2020/7/14</a:t>
+              <a:t>2020/11/25</a:t>
             </a:fld>
             <a:endParaRPr lang="en-US" dirty="0"/>
           </a:p>
@@ -6622,7 +6622,7 @@
           <a:p>
             <a:fld id="{D251F92C-4A14-D142-B55E-A45FF33E38FF}" type="datetime1">
               <a:rPr lang="ja-JP" altLang="en-US" smtClean="0"/>
-              <a:t>2020/7/14</a:t>
+              <a:t>2020/11/25</a:t>
             </a:fld>
             <a:endParaRPr lang="en-US" dirty="0"/>
           </a:p>
@@ -7218,7 +7218,7 @@
           <a:p>
             <a:fld id="{395D8AEE-1D3E-3946-BFFA-2B12F5A61E2B}" type="datetime1">
               <a:rPr lang="ja-JP" altLang="en-US" smtClean="0"/>
-              <a:t>2020/7/14</a:t>
+              <a:t>2020/11/25</a:t>
             </a:fld>
             <a:endParaRPr lang="en-US" dirty="0"/>
           </a:p>
@@ -7475,7 +7475,7 @@
           <a:p>
             <a:fld id="{5A58360F-E661-1C46-9C73-0035F9E05DA2}" type="datetime1">
               <a:rPr lang="ja-JP" altLang="en-US" smtClean="0"/>
-              <a:t>2020/7/14</a:t>
+              <a:t>2020/11/25</a:t>
             </a:fld>
             <a:endParaRPr lang="en-US" dirty="0"/>
           </a:p>
@@ -7638,7 +7638,7 @@
           <a:p>
             <a:fld id="{2BB82E9D-575B-8147-8AFB-E109E50972E0}" type="datetime1">
               <a:rPr lang="ja-JP" altLang="en-US" smtClean="0"/>
-              <a:t>2020/7/14</a:t>
+              <a:t>2020/11/25</a:t>
             </a:fld>
             <a:endParaRPr lang="en-US" dirty="0"/>
           </a:p>
@@ -8073,7 +8073,7 @@
           <a:p>
             <a:fld id="{B9BCCB36-88F9-D642-9C0D-C635C19E098D}" type="datetime1">
               <a:rPr lang="ja-JP" altLang="en-US" smtClean="0"/>
-              <a:t>2020/7/14</a:t>
+              <a:t>2020/11/25</a:t>
             </a:fld>
             <a:endParaRPr lang="en-US" dirty="0"/>
           </a:p>
@@ -8519,7 +8519,7 @@
           <a:p>
             <a:fld id="{433E8DE2-A0A1-814E-BC93-823AE582084E}" type="datetime1">
               <a:rPr lang="ja-JP" altLang="en-US" smtClean="0"/>
-              <a:t>2020/7/14</a:t>
+              <a:t>2020/11/25</a:t>
             </a:fld>
             <a:endParaRPr lang="en-US" dirty="0"/>
           </a:p>
@@ -8791,7 +8791,7 @@
           <a:p>
             <a:fld id="{1531A0E9-2C45-4A40-BD1A-C9E655920776}" type="datetime1">
               <a:rPr lang="ja-JP" altLang="en-US" smtClean="0"/>
-              <a:t>2020/7/14</a:t>
+              <a:t>2020/11/25</a:t>
             </a:fld>
             <a:endParaRPr lang="en-US" dirty="0"/>
           </a:p>
